--- a/Sprint Planning/Scrum meeting 6.pptx
+++ b/Sprint Planning/Scrum meeting 6.pptx
@@ -8,8 +8,11 @@
     <p:sldId id="257" r:id="rId2"/>
     <p:sldId id="258" r:id="rId3"/>
     <p:sldId id="272" r:id="rId4"/>
-    <p:sldId id="271" r:id="rId5"/>
-    <p:sldId id="260" r:id="rId6"/>
+    <p:sldId id="274" r:id="rId5"/>
+    <p:sldId id="273" r:id="rId6"/>
+    <p:sldId id="275" r:id="rId7"/>
+    <p:sldId id="271" r:id="rId8"/>
+    <p:sldId id="260" r:id="rId9"/>
   </p:sldIdLst>
   <p:sldSz cx="12192000" cy="6858000"/>
   <p:notesSz cx="6858000" cy="9144000"/>
@@ -3618,9 +3621,35 @@
           <a:lstStyle/>
           <a:p>
             <a:r>
+              <a:rPr lang="en-US" dirty="0" err="1"/>
+              <a:t>Demostratie</a:t>
+            </a:r>
+            <a:r>
               <a:rPr lang="en-US" dirty="0"/>
-              <a:t>L</a:t>
-            </a:r>
+              <a:t> ATM</a:t>
+            </a:r>
+          </a:p>
+          <a:p>
+            <a:r>
+              <a:rPr lang="en-US" dirty="0" err="1"/>
+              <a:t>Binnenkant</a:t>
+            </a:r>
+            <a:r>
+              <a:rPr lang="en-US" dirty="0"/>
+              <a:t> ATM </a:t>
+            </a:r>
+          </a:p>
+          <a:p>
+            <a:r>
+              <a:rPr lang="en-US" dirty="0"/>
+              <a:t>Website/server</a:t>
+            </a:r>
+          </a:p>
+          <a:p>
+            <a:endParaRPr lang="en-US" dirty="0"/>
+          </a:p>
+          <a:p>
+            <a:endParaRPr lang="en-US" dirty="0"/>
           </a:p>
           <a:p>
             <a:endParaRPr lang="en-US" dirty="0"/>
@@ -3759,6 +3788,1080 @@
 </file>
 
 <file path=ppt/slides/slide4.xml><?xml version="1.0" encoding="utf-8"?>
+<p:sld xmlns:a="http://schemas.openxmlformats.org/drawingml/2006/main" xmlns:r="http://schemas.openxmlformats.org/officeDocument/2006/relationships" xmlns:p="http://schemas.openxmlformats.org/presentationml/2006/main">
+  <p:cSld>
+    <p:bg>
+      <p:bgPr>
+        <a:gradFill rotWithShape="1">
+          <a:gsLst>
+            <a:gs pos="0">
+              <a:schemeClr val="bg1">
+                <a:tint val="94000"/>
+                <a:satMod val="80000"/>
+                <a:lumMod val="106000"/>
+              </a:schemeClr>
+            </a:gs>
+            <a:gs pos="100000">
+              <a:schemeClr val="bg1">
+                <a:shade val="80000"/>
+              </a:schemeClr>
+            </a:gs>
+          </a:gsLst>
+          <a:path path="circle">
+            <a:fillToRect l="43000" r="43000" b="100000"/>
+          </a:path>
+        </a:gradFill>
+        <a:effectLst/>
+      </p:bgPr>
+    </p:bg>
+    <p:spTree>
+      <p:nvGrpSpPr>
+        <p:cNvPr id="1" name=""/>
+        <p:cNvGrpSpPr/>
+        <p:nvPr/>
+      </p:nvGrpSpPr>
+      <p:grpSpPr>
+        <a:xfrm>
+          <a:off x="0" y="0"/>
+          <a:ext cx="0" cy="0"/>
+          <a:chOff x="0" y="0"/>
+          <a:chExt cx="0" cy="0"/>
+        </a:xfrm>
+      </p:grpSpPr>
+      <p:sp>
+        <p:nvSpPr>
+          <p:cNvPr id="10" name="Rectangle 9">
+            <a:extLst>
+              <a:ext uri="{FF2B5EF4-FFF2-40B4-BE49-F238E27FC236}">
+                <a16:creationId xmlns:a16="http://schemas.microsoft.com/office/drawing/2014/main" id="{A9663C92-81CA-46B1-B5AE-F46DF8D7E7CA}"/>
+              </a:ext>
+              <a:ext uri="{C183D7F6-B498-43B3-948B-1728B52AA6E4}">
+                <adec:decorative xmlns:adec="http://schemas.microsoft.com/office/drawing/2017/decorative" val="1"/>
+              </a:ext>
+            </a:extLst>
+          </p:cNvPr>
+          <p:cNvSpPr>
+            <a:spLocks noGrp="1" noRot="1" noChangeAspect="1" noMove="1" noResize="1" noEditPoints="1" noAdjustHandles="1" noChangeArrowheads="1" noChangeShapeType="1" noTextEdit="1"/>
+          </p:cNvSpPr>
+          <p:nvPr>
+            <p:extLst>
+              <p:ext uri="{386F3935-93C4-4BCD-93E2-E3B085C9AB24}">
+                <p16:designElem xmlns:p16="http://schemas.microsoft.com/office/powerpoint/2015/main" val="1"/>
+              </p:ext>
+            </p:extLst>
+          </p:nvPr>
+        </p:nvSpPr>
+        <p:spPr>
+          <a:xfrm>
+            <a:off x="0" y="3622291"/>
+            <a:ext cx="12192000" cy="2505984"/>
+          </a:xfrm>
+          <a:prstGeom prst="rect">
+            <a:avLst/>
+          </a:prstGeom>
+          <a:gradFill flip="none" rotWithShape="1">
+            <a:gsLst>
+              <a:gs pos="0">
+                <a:schemeClr val="bg2">
+                  <a:alpha val="0"/>
+                </a:schemeClr>
+              </a:gs>
+              <a:gs pos="100000">
+                <a:schemeClr val="bg2">
+                  <a:alpha val="80000"/>
+                </a:schemeClr>
+              </a:gs>
+            </a:gsLst>
+            <a:lin ang="5400000" scaled="0"/>
+            <a:tileRect/>
+          </a:gradFill>
+          <a:ln>
+            <a:noFill/>
+          </a:ln>
+        </p:spPr>
+        <p:style>
+          <a:lnRef idx="2">
+            <a:schemeClr val="accent1">
+              <a:shade val="50000"/>
+            </a:schemeClr>
+          </a:lnRef>
+          <a:fillRef idx="1">
+            <a:schemeClr val="accent1"/>
+          </a:fillRef>
+          <a:effectRef idx="0">
+            <a:schemeClr val="accent1"/>
+          </a:effectRef>
+          <a:fontRef idx="minor">
+            <a:schemeClr val="lt1"/>
+          </a:fontRef>
+        </p:style>
+      </p:sp>
+      <p:pic>
+        <p:nvPicPr>
+          <p:cNvPr id="12" name="Picture 11">
+            <a:extLst>
+              <a:ext uri="{FF2B5EF4-FFF2-40B4-BE49-F238E27FC236}">
+                <a16:creationId xmlns:a16="http://schemas.microsoft.com/office/drawing/2014/main" id="{449D3543-8D0A-40E1-9AF0-8F6CA1B45A6F}"/>
+              </a:ext>
+              <a:ext uri="{C183D7F6-B498-43B3-948B-1728B52AA6E4}">
+                <adec:decorative xmlns:adec="http://schemas.microsoft.com/office/drawing/2017/decorative" val="1"/>
+              </a:ext>
+            </a:extLst>
+          </p:cNvPr>
+          <p:cNvPicPr>
+            <a:picLocks noGrp="1" noRot="1" noChangeAspect="1" noMove="1" noResize="1" noEditPoints="1" noAdjustHandles="1" noChangeArrowheads="1" noChangeShapeType="1" noCrop="1"/>
+          </p:cNvPicPr>
+          <p:nvPr>
+            <p:extLst>
+              <p:ext uri="{386F3935-93C4-4BCD-93E2-E3B085C9AB24}">
+                <p16:designElem xmlns:p16="http://schemas.microsoft.com/office/powerpoint/2015/main" val="1"/>
+              </p:ext>
+            </p:extLst>
+          </p:nvPr>
+        </p:nvPicPr>
+        <p:blipFill rotWithShape="1">
+          <a:blip r:embed="rId2">
+            <a:extLst>
+              <a:ext uri="{28A0092B-C50C-407E-A947-70E740481C1C}">
+                <a14:useLocalDpi xmlns:a14="http://schemas.microsoft.com/office/drawing/2010/main" val="0"/>
+              </a:ext>
+            </a:extLst>
+          </a:blip>
+          <a:srcRect t="1538" b="-1538"/>
+          <a:stretch/>
+        </p:blipFill>
+        <p:spPr>
+          <a:xfrm>
+            <a:off x="0" y="6129338"/>
+            <a:ext cx="12192000" cy="742950"/>
+          </a:xfrm>
+          <a:prstGeom prst="rect">
+            <a:avLst/>
+          </a:prstGeom>
+        </p:spPr>
+      </p:pic>
+      <p:cxnSp>
+        <p:nvCxnSpPr>
+          <p:cNvPr id="14" name="Straight Connector 13">
+            <a:extLst>
+              <a:ext uri="{FF2B5EF4-FFF2-40B4-BE49-F238E27FC236}">
+                <a16:creationId xmlns:a16="http://schemas.microsoft.com/office/drawing/2014/main" id="{93DEAED4-B139-47BA-8465-055B31546BA1}"/>
+              </a:ext>
+              <a:ext uri="{C183D7F6-B498-43B3-948B-1728B52AA6E4}">
+                <adec:decorative xmlns:adec="http://schemas.microsoft.com/office/drawing/2017/decorative" val="1"/>
+              </a:ext>
+            </a:extLst>
+          </p:cNvPr>
+          <p:cNvCxnSpPr>
+            <a:cxnSpLocks noGrp="1" noRot="1" noChangeAspect="1" noMove="1" noResize="1" noEditPoints="1" noAdjustHandles="1" noChangeArrowheads="1" noChangeShapeType="1"/>
+          </p:cNvCxnSpPr>
+          <p:nvPr>
+            <p:extLst>
+              <p:ext uri="{386F3935-93C4-4BCD-93E2-E3B085C9AB24}">
+                <p16:designElem xmlns:p16="http://schemas.microsoft.com/office/powerpoint/2015/main" val="1"/>
+              </p:ext>
+            </p:extLst>
+          </p:nvPr>
+        </p:nvCxnSpPr>
+        <p:spPr>
+          <a:xfrm>
+            <a:off x="0" y="6138142"/>
+            <a:ext cx="12192000" cy="0"/>
+          </a:xfrm>
+          <a:prstGeom prst="line">
+            <a:avLst/>
+          </a:prstGeom>
+          <a:ln w="12700">
+            <a:solidFill>
+              <a:srgbClr val="000001">
+                <a:alpha val="20000"/>
+              </a:srgbClr>
+            </a:solidFill>
+          </a:ln>
+        </p:spPr>
+        <p:style>
+          <a:lnRef idx="1">
+            <a:schemeClr val="accent1"/>
+          </a:lnRef>
+          <a:fillRef idx="0">
+            <a:schemeClr val="accent1"/>
+          </a:fillRef>
+          <a:effectRef idx="0">
+            <a:schemeClr val="accent1"/>
+          </a:effectRef>
+          <a:fontRef idx="minor">
+            <a:schemeClr val="tx1"/>
+          </a:fontRef>
+        </p:style>
+      </p:cxnSp>
+      <p:pic>
+        <p:nvPicPr>
+          <p:cNvPr id="5" name="Tijdelijke aanduiding voor inhoud 4">
+            <a:extLst>
+              <a:ext uri="{FF2B5EF4-FFF2-40B4-BE49-F238E27FC236}">
+                <a16:creationId xmlns:a16="http://schemas.microsoft.com/office/drawing/2014/main" id="{C39CD8F6-8181-45FF-BB9C-58D5F0ECA57D}"/>
+              </a:ext>
+            </a:extLst>
+          </p:cNvPr>
+          <p:cNvPicPr>
+            <a:picLocks noGrp="1" noChangeAspect="1"/>
+          </p:cNvPicPr>
+          <p:nvPr>
+            <p:ph idx="1"/>
+          </p:nvPr>
+        </p:nvPicPr>
+        <p:blipFill rotWithShape="1">
+          <a:blip r:embed="rId3">
+            <a:extLst>
+              <a:ext uri="{28A0092B-C50C-407E-A947-70E740481C1C}">
+                <a14:useLocalDpi xmlns:a14="http://schemas.microsoft.com/office/drawing/2010/main" val="0"/>
+              </a:ext>
+            </a:extLst>
+          </a:blip>
+          <a:srcRect r="-1" b="24998"/>
+          <a:stretch/>
+        </p:blipFill>
+        <p:spPr>
+          <a:xfrm>
+            <a:off x="20" y="10"/>
+            <a:ext cx="12191675" cy="6857990"/>
+          </a:xfrm>
+          <a:prstGeom prst="rect">
+            <a:avLst/>
+          </a:prstGeom>
+        </p:spPr>
+      </p:pic>
+      <p:sp>
+        <p:nvSpPr>
+          <p:cNvPr id="16" name="Rectangle 15">
+            <a:extLst>
+              <a:ext uri="{FF2B5EF4-FFF2-40B4-BE49-F238E27FC236}">
+                <a16:creationId xmlns:a16="http://schemas.microsoft.com/office/drawing/2014/main" id="{80B6C404-E8F9-4E2B-9BB2-AD7DAEFEDAFF}"/>
+              </a:ext>
+              <a:ext uri="{C183D7F6-B498-43B3-948B-1728B52AA6E4}">
+                <adec:decorative xmlns:adec="http://schemas.microsoft.com/office/drawing/2017/decorative" val="1"/>
+              </a:ext>
+            </a:extLst>
+          </p:cNvPr>
+          <p:cNvSpPr>
+            <a:spLocks noGrp="1" noRot="1" noChangeAspect="1" noMove="1" noResize="1" noEditPoints="1" noAdjustHandles="1" noChangeArrowheads="1" noChangeShapeType="1" noTextEdit="1"/>
+          </p:cNvSpPr>
+          <p:nvPr>
+            <p:extLst>
+              <p:ext uri="{386F3935-93C4-4BCD-93E2-E3B085C9AB24}">
+                <p16:designElem xmlns:p16="http://schemas.microsoft.com/office/powerpoint/2015/main" val="1"/>
+              </p:ext>
+            </p:extLst>
+          </p:nvPr>
+        </p:nvSpPr>
+        <p:spPr>
+          <a:xfrm>
+            <a:off x="5930686" y="4905349"/>
+            <a:ext cx="5610646" cy="1450464"/>
+          </a:xfrm>
+          <a:prstGeom prst="rect">
+            <a:avLst/>
+          </a:prstGeom>
+          <a:solidFill>
+            <a:srgbClr val="000001">
+              <a:alpha val="75000"/>
+            </a:srgbClr>
+          </a:solidFill>
+          <a:ln>
+            <a:noFill/>
+          </a:ln>
+        </p:spPr>
+        <p:style>
+          <a:lnRef idx="1">
+            <a:schemeClr val="accent1"/>
+          </a:lnRef>
+          <a:fillRef idx="3">
+            <a:schemeClr val="accent1"/>
+          </a:fillRef>
+          <a:effectRef idx="2">
+            <a:schemeClr val="accent1"/>
+          </a:effectRef>
+          <a:fontRef idx="minor">
+            <a:schemeClr val="lt1"/>
+          </a:fontRef>
+        </p:style>
+        <p:txBody>
+          <a:bodyPr rtlCol="0" anchor="ctr"/>
+          <a:lstStyle/>
+          <a:p>
+            <a:pPr algn="ctr"/>
+            <a:endParaRPr lang="en-US"/>
+          </a:p>
+        </p:txBody>
+      </p:sp>
+      <p:sp>
+        <p:nvSpPr>
+          <p:cNvPr id="2" name="Titel 1">
+            <a:extLst>
+              <a:ext uri="{FF2B5EF4-FFF2-40B4-BE49-F238E27FC236}">
+                <a16:creationId xmlns:a16="http://schemas.microsoft.com/office/drawing/2014/main" id="{B567A810-0AAC-4990-9113-83AC8DEFFF6E}"/>
+              </a:ext>
+            </a:extLst>
+          </p:cNvPr>
+          <p:cNvSpPr>
+            <a:spLocks noGrp="1"/>
+          </p:cNvSpPr>
+          <p:nvPr>
+            <p:ph type="title"/>
+          </p:nvPr>
+        </p:nvSpPr>
+        <p:spPr>
+          <a:xfrm>
+            <a:off x="6094412" y="5073597"/>
+            <a:ext cx="5279490" cy="1125622"/>
+          </a:xfrm>
+        </p:spPr>
+        <p:txBody>
+          <a:bodyPr vert="horz" lIns="91440" tIns="45720" rIns="91440" bIns="45720" rtlCol="0" anchor="b">
+            <a:normAutofit/>
+          </a:bodyPr>
+          <a:lstStyle/>
+          <a:p>
+            <a:pPr algn="l"/>
+            <a:r>
+              <a:rPr lang="en-US" dirty="0" err="1"/>
+              <a:t>Binnenkant</a:t>
+            </a:r>
+            <a:endParaRPr lang="en-US" dirty="0"/>
+          </a:p>
+        </p:txBody>
+      </p:sp>
+    </p:spTree>
+    <p:extLst>
+      <p:ext uri="{BB962C8B-B14F-4D97-AF65-F5344CB8AC3E}">
+        <p14:creationId xmlns:p14="http://schemas.microsoft.com/office/powerpoint/2010/main" val="3124479853"/>
+      </p:ext>
+    </p:extLst>
+  </p:cSld>
+  <p:clrMapOvr>
+    <a:masterClrMapping/>
+  </p:clrMapOvr>
+</p:sld>
+</file>
+
+<file path=ppt/slides/slide5.xml><?xml version="1.0" encoding="utf-8"?>
+<p:sld xmlns:a="http://schemas.openxmlformats.org/drawingml/2006/main" xmlns:r="http://schemas.openxmlformats.org/officeDocument/2006/relationships" xmlns:p="http://schemas.openxmlformats.org/presentationml/2006/main">
+  <p:cSld>
+    <p:bg>
+      <p:bgPr>
+        <a:gradFill rotWithShape="1">
+          <a:gsLst>
+            <a:gs pos="0">
+              <a:schemeClr val="bg1">
+                <a:tint val="94000"/>
+                <a:satMod val="80000"/>
+                <a:lumMod val="106000"/>
+              </a:schemeClr>
+            </a:gs>
+            <a:gs pos="100000">
+              <a:schemeClr val="bg1">
+                <a:shade val="80000"/>
+              </a:schemeClr>
+            </a:gs>
+          </a:gsLst>
+          <a:path path="circle">
+            <a:fillToRect l="43000" r="43000" b="100000"/>
+          </a:path>
+        </a:gradFill>
+        <a:effectLst/>
+      </p:bgPr>
+    </p:bg>
+    <p:spTree>
+      <p:nvGrpSpPr>
+        <p:cNvPr id="1" name=""/>
+        <p:cNvGrpSpPr/>
+        <p:nvPr/>
+      </p:nvGrpSpPr>
+      <p:grpSpPr>
+        <a:xfrm>
+          <a:off x="0" y="0"/>
+          <a:ext cx="0" cy="0"/>
+          <a:chOff x="0" y="0"/>
+          <a:chExt cx="0" cy="0"/>
+        </a:xfrm>
+      </p:grpSpPr>
+      <p:pic>
+        <p:nvPicPr>
+          <p:cNvPr id="5" name="Afbeelding 4">
+            <a:extLst>
+              <a:ext uri="{FF2B5EF4-FFF2-40B4-BE49-F238E27FC236}">
+                <a16:creationId xmlns:a16="http://schemas.microsoft.com/office/drawing/2014/main" id="{20ED5BC4-BD83-4735-A40E-AEBD121E26E9}"/>
+              </a:ext>
+            </a:extLst>
+          </p:cNvPr>
+          <p:cNvPicPr>
+            <a:picLocks noChangeAspect="1"/>
+          </p:cNvPicPr>
+          <p:nvPr/>
+        </p:nvPicPr>
+        <p:blipFill rotWithShape="1">
+          <a:blip r:embed="rId2">
+            <a:extLst>
+              <a:ext uri="{28A0092B-C50C-407E-A947-70E740481C1C}">
+                <a14:useLocalDpi xmlns:a14="http://schemas.microsoft.com/office/drawing/2010/main" val="0"/>
+              </a:ext>
+            </a:extLst>
+          </a:blip>
+          <a:srcRect l="9091" b="36867"/>
+          <a:stretch/>
+        </p:blipFill>
+        <p:spPr>
+          <a:xfrm>
+            <a:off x="2" y="10"/>
+            <a:ext cx="12191695" cy="6857990"/>
+          </a:xfrm>
+          <a:prstGeom prst="rect">
+            <a:avLst/>
+          </a:prstGeom>
+        </p:spPr>
+      </p:pic>
+      <p:sp>
+        <p:nvSpPr>
+          <p:cNvPr id="10" name="Rectangle 9">
+            <a:extLst>
+              <a:ext uri="{FF2B5EF4-FFF2-40B4-BE49-F238E27FC236}">
+                <a16:creationId xmlns:a16="http://schemas.microsoft.com/office/drawing/2014/main" id="{758BF2A9-3176-445B-8155-3DE9C796844D}"/>
+              </a:ext>
+              <a:ext uri="{C183D7F6-B498-43B3-948B-1728B52AA6E4}">
+                <adec:decorative xmlns:adec="http://schemas.microsoft.com/office/drawing/2017/decorative" val="1"/>
+              </a:ext>
+            </a:extLst>
+          </p:cNvPr>
+          <p:cNvSpPr>
+            <a:spLocks noGrp="1" noRot="1" noChangeAspect="1" noMove="1" noResize="1" noEditPoints="1" noAdjustHandles="1" noChangeArrowheads="1" noChangeShapeType="1" noTextEdit="1"/>
+          </p:cNvSpPr>
+          <p:nvPr>
+            <p:extLst>
+              <p:ext uri="{386F3935-93C4-4BCD-93E2-E3B085C9AB24}">
+                <p16:designElem xmlns:p16="http://schemas.microsoft.com/office/powerpoint/2015/main" val="1"/>
+              </p:ext>
+            </p:extLst>
+          </p:nvPr>
+        </p:nvSpPr>
+        <p:spPr>
+          <a:xfrm>
+            <a:off x="3896786" y="3064931"/>
+            <a:ext cx="8295215" cy="2488568"/>
+          </a:xfrm>
+          <a:prstGeom prst="rect">
+            <a:avLst/>
+          </a:prstGeom>
+          <a:solidFill>
+            <a:srgbClr val="000001">
+              <a:alpha val="75000"/>
+            </a:srgbClr>
+          </a:solidFill>
+          <a:ln>
+            <a:noFill/>
+          </a:ln>
+        </p:spPr>
+        <p:style>
+          <a:lnRef idx="1">
+            <a:schemeClr val="accent1"/>
+          </a:lnRef>
+          <a:fillRef idx="3">
+            <a:schemeClr val="accent1"/>
+          </a:fillRef>
+          <a:effectRef idx="2">
+            <a:schemeClr val="accent1"/>
+          </a:effectRef>
+          <a:fontRef idx="minor">
+            <a:schemeClr val="lt1"/>
+          </a:fontRef>
+        </p:style>
+        <p:txBody>
+          <a:bodyPr rtlCol="0" anchor="ctr"/>
+          <a:lstStyle/>
+          <a:p>
+            <a:pPr algn="ctr"/>
+            <a:endParaRPr lang="en-US"/>
+          </a:p>
+        </p:txBody>
+      </p:sp>
+      <p:sp>
+        <p:nvSpPr>
+          <p:cNvPr id="2" name="Titel 1">
+            <a:extLst>
+              <a:ext uri="{FF2B5EF4-FFF2-40B4-BE49-F238E27FC236}">
+                <a16:creationId xmlns:a16="http://schemas.microsoft.com/office/drawing/2014/main" id="{2D6296B3-244A-47A2-A514-F15E6F6474CE}"/>
+              </a:ext>
+            </a:extLst>
+          </p:cNvPr>
+          <p:cNvSpPr>
+            <a:spLocks noGrp="1"/>
+          </p:cNvSpPr>
+          <p:nvPr>
+            <p:ph type="ctrTitle"/>
+          </p:nvPr>
+        </p:nvSpPr>
+        <p:spPr>
+          <a:xfrm>
+            <a:off x="4065511" y="3236470"/>
+            <a:ext cx="6832500" cy="1431984"/>
+          </a:xfrm>
+        </p:spPr>
+        <p:txBody>
+          <a:bodyPr>
+            <a:normAutofit/>
+          </a:bodyPr>
+          <a:lstStyle/>
+          <a:p>
+            <a:pPr algn="l"/>
+            <a:r>
+              <a:rPr lang="en-US" sz="4400"/>
+              <a:t>Website / server</a:t>
+            </a:r>
+            <a:endParaRPr lang="nl-NL" sz="4400"/>
+          </a:p>
+        </p:txBody>
+      </p:sp>
+      <p:sp>
+        <p:nvSpPr>
+          <p:cNvPr id="3" name="Ondertitel 2">
+            <a:extLst>
+              <a:ext uri="{FF2B5EF4-FFF2-40B4-BE49-F238E27FC236}">
+                <a16:creationId xmlns:a16="http://schemas.microsoft.com/office/drawing/2014/main" id="{D68E28B1-0940-4FAB-8D5B-D45D7CF51274}"/>
+              </a:ext>
+            </a:extLst>
+          </p:cNvPr>
+          <p:cNvSpPr>
+            <a:spLocks noGrp="1"/>
+          </p:cNvSpPr>
+          <p:nvPr>
+            <p:ph type="subTitle" idx="1"/>
+          </p:nvPr>
+        </p:nvSpPr>
+        <p:spPr>
+          <a:xfrm>
+            <a:off x="4065511" y="4669144"/>
+            <a:ext cx="6832499" cy="716529"/>
+          </a:xfrm>
+        </p:spPr>
+        <p:txBody>
+          <a:bodyPr>
+            <a:normAutofit/>
+          </a:bodyPr>
+          <a:lstStyle/>
+          <a:p>
+            <a:pPr algn="l"/>
+            <a:endParaRPr lang="nl-NL" sz="1600">
+              <a:solidFill>
+                <a:srgbClr val="FFFFFE"/>
+              </a:solidFill>
+            </a:endParaRPr>
+          </a:p>
+        </p:txBody>
+      </p:sp>
+    </p:spTree>
+    <p:extLst>
+      <p:ext uri="{BB962C8B-B14F-4D97-AF65-F5344CB8AC3E}">
+        <p14:creationId xmlns:p14="http://schemas.microsoft.com/office/powerpoint/2010/main" val="1750776171"/>
+      </p:ext>
+    </p:extLst>
+  </p:cSld>
+  <p:clrMapOvr>
+    <a:masterClrMapping/>
+  </p:clrMapOvr>
+</p:sld>
+</file>
+
+<file path=ppt/slides/slide6.xml><?xml version="1.0" encoding="utf-8"?>
+<p:sld xmlns:a="http://schemas.openxmlformats.org/drawingml/2006/main" xmlns:r="http://schemas.openxmlformats.org/officeDocument/2006/relationships" xmlns:p="http://schemas.openxmlformats.org/presentationml/2006/main">
+  <p:cSld>
+    <p:bg>
+      <p:bgPr>
+        <a:gradFill rotWithShape="1">
+          <a:gsLst>
+            <a:gs pos="0">
+              <a:schemeClr val="bg1">
+                <a:tint val="94000"/>
+                <a:satMod val="80000"/>
+                <a:lumMod val="106000"/>
+              </a:schemeClr>
+            </a:gs>
+            <a:gs pos="100000">
+              <a:schemeClr val="bg1">
+                <a:shade val="80000"/>
+              </a:schemeClr>
+            </a:gs>
+          </a:gsLst>
+          <a:path path="circle">
+            <a:fillToRect l="43000" r="43000" b="100000"/>
+          </a:path>
+        </a:gradFill>
+        <a:effectLst/>
+      </p:bgPr>
+    </p:bg>
+    <p:spTree>
+      <p:nvGrpSpPr>
+        <p:cNvPr id="1" name=""/>
+        <p:cNvGrpSpPr/>
+        <p:nvPr/>
+      </p:nvGrpSpPr>
+      <p:grpSpPr>
+        <a:xfrm>
+          <a:off x="0" y="0"/>
+          <a:ext cx="0" cy="0"/>
+          <a:chOff x="0" y="0"/>
+          <a:chExt cx="0" cy="0"/>
+        </a:xfrm>
+      </p:grpSpPr>
+      <p:sp>
+        <p:nvSpPr>
+          <p:cNvPr id="10" name="Rectangle 9">
+            <a:extLst>
+              <a:ext uri="{FF2B5EF4-FFF2-40B4-BE49-F238E27FC236}">
+                <a16:creationId xmlns:a16="http://schemas.microsoft.com/office/drawing/2014/main" id="{A9663C92-81CA-46B1-B5AE-F46DF8D7E7CA}"/>
+              </a:ext>
+              <a:ext uri="{C183D7F6-B498-43B3-948B-1728B52AA6E4}">
+                <adec:decorative xmlns:adec="http://schemas.microsoft.com/office/drawing/2017/decorative" val="1"/>
+              </a:ext>
+            </a:extLst>
+          </p:cNvPr>
+          <p:cNvSpPr>
+            <a:spLocks noGrp="1" noRot="1" noChangeAspect="1" noMove="1" noResize="1" noEditPoints="1" noAdjustHandles="1" noChangeArrowheads="1" noChangeShapeType="1" noTextEdit="1"/>
+          </p:cNvSpPr>
+          <p:nvPr>
+            <p:extLst>
+              <p:ext uri="{386F3935-93C4-4BCD-93E2-E3B085C9AB24}">
+                <p16:designElem xmlns:p16="http://schemas.microsoft.com/office/powerpoint/2015/main" val="1"/>
+              </p:ext>
+            </p:extLst>
+          </p:nvPr>
+        </p:nvSpPr>
+        <p:spPr>
+          <a:xfrm>
+            <a:off x="0" y="3622291"/>
+            <a:ext cx="12192000" cy="2505984"/>
+          </a:xfrm>
+          <a:prstGeom prst="rect">
+            <a:avLst/>
+          </a:prstGeom>
+          <a:gradFill flip="none" rotWithShape="1">
+            <a:gsLst>
+              <a:gs pos="0">
+                <a:schemeClr val="bg2">
+                  <a:alpha val="0"/>
+                </a:schemeClr>
+              </a:gs>
+              <a:gs pos="100000">
+                <a:schemeClr val="bg2">
+                  <a:alpha val="80000"/>
+                </a:schemeClr>
+              </a:gs>
+            </a:gsLst>
+            <a:lin ang="5400000" scaled="0"/>
+            <a:tileRect/>
+          </a:gradFill>
+          <a:ln>
+            <a:noFill/>
+          </a:ln>
+        </p:spPr>
+        <p:style>
+          <a:lnRef idx="2">
+            <a:schemeClr val="accent1">
+              <a:shade val="50000"/>
+            </a:schemeClr>
+          </a:lnRef>
+          <a:fillRef idx="1">
+            <a:schemeClr val="accent1"/>
+          </a:fillRef>
+          <a:effectRef idx="0">
+            <a:schemeClr val="accent1"/>
+          </a:effectRef>
+          <a:fontRef idx="minor">
+            <a:schemeClr val="lt1"/>
+          </a:fontRef>
+        </p:style>
+      </p:sp>
+      <p:pic>
+        <p:nvPicPr>
+          <p:cNvPr id="12" name="Picture 11">
+            <a:extLst>
+              <a:ext uri="{FF2B5EF4-FFF2-40B4-BE49-F238E27FC236}">
+                <a16:creationId xmlns:a16="http://schemas.microsoft.com/office/drawing/2014/main" id="{449D3543-8D0A-40E1-9AF0-8F6CA1B45A6F}"/>
+              </a:ext>
+              <a:ext uri="{C183D7F6-B498-43B3-948B-1728B52AA6E4}">
+                <adec:decorative xmlns:adec="http://schemas.microsoft.com/office/drawing/2017/decorative" val="1"/>
+              </a:ext>
+            </a:extLst>
+          </p:cNvPr>
+          <p:cNvPicPr>
+            <a:picLocks noGrp="1" noRot="1" noChangeAspect="1" noMove="1" noResize="1" noEditPoints="1" noAdjustHandles="1" noChangeArrowheads="1" noChangeShapeType="1" noCrop="1"/>
+          </p:cNvPicPr>
+          <p:nvPr>
+            <p:extLst>
+              <p:ext uri="{386F3935-93C4-4BCD-93E2-E3B085C9AB24}">
+                <p16:designElem xmlns:p16="http://schemas.microsoft.com/office/powerpoint/2015/main" val="1"/>
+              </p:ext>
+            </p:extLst>
+          </p:nvPr>
+        </p:nvPicPr>
+        <p:blipFill rotWithShape="1">
+          <a:blip r:embed="rId2">
+            <a:extLst>
+              <a:ext uri="{28A0092B-C50C-407E-A947-70E740481C1C}">
+                <a14:useLocalDpi xmlns:a14="http://schemas.microsoft.com/office/drawing/2010/main" val="0"/>
+              </a:ext>
+            </a:extLst>
+          </a:blip>
+          <a:srcRect t="1538" b="-1538"/>
+          <a:stretch/>
+        </p:blipFill>
+        <p:spPr>
+          <a:xfrm>
+            <a:off x="0" y="6129338"/>
+            <a:ext cx="12192000" cy="742950"/>
+          </a:xfrm>
+          <a:prstGeom prst="rect">
+            <a:avLst/>
+          </a:prstGeom>
+        </p:spPr>
+      </p:pic>
+      <p:cxnSp>
+        <p:nvCxnSpPr>
+          <p:cNvPr id="14" name="Straight Connector 13">
+            <a:extLst>
+              <a:ext uri="{FF2B5EF4-FFF2-40B4-BE49-F238E27FC236}">
+                <a16:creationId xmlns:a16="http://schemas.microsoft.com/office/drawing/2014/main" id="{93DEAED4-B139-47BA-8465-055B31546BA1}"/>
+              </a:ext>
+              <a:ext uri="{C183D7F6-B498-43B3-948B-1728B52AA6E4}">
+                <adec:decorative xmlns:adec="http://schemas.microsoft.com/office/drawing/2017/decorative" val="1"/>
+              </a:ext>
+            </a:extLst>
+          </p:cNvPr>
+          <p:cNvCxnSpPr>
+            <a:cxnSpLocks noGrp="1" noRot="1" noChangeAspect="1" noMove="1" noResize="1" noEditPoints="1" noAdjustHandles="1" noChangeArrowheads="1" noChangeShapeType="1"/>
+          </p:cNvCxnSpPr>
+          <p:nvPr>
+            <p:extLst>
+              <p:ext uri="{386F3935-93C4-4BCD-93E2-E3B085C9AB24}">
+                <p16:designElem xmlns:p16="http://schemas.microsoft.com/office/powerpoint/2015/main" val="1"/>
+              </p:ext>
+            </p:extLst>
+          </p:nvPr>
+        </p:nvCxnSpPr>
+        <p:spPr>
+          <a:xfrm>
+            <a:off x="0" y="6138142"/>
+            <a:ext cx="12192000" cy="0"/>
+          </a:xfrm>
+          <a:prstGeom prst="line">
+            <a:avLst/>
+          </a:prstGeom>
+          <a:ln w="12700">
+            <a:solidFill>
+              <a:srgbClr val="000001">
+                <a:alpha val="20000"/>
+              </a:srgbClr>
+            </a:solidFill>
+          </a:ln>
+        </p:spPr>
+        <p:style>
+          <a:lnRef idx="1">
+            <a:schemeClr val="accent1"/>
+          </a:lnRef>
+          <a:fillRef idx="0">
+            <a:schemeClr val="accent1"/>
+          </a:fillRef>
+          <a:effectRef idx="0">
+            <a:schemeClr val="accent1"/>
+          </a:effectRef>
+          <a:fontRef idx="minor">
+            <a:schemeClr val="tx1"/>
+          </a:fontRef>
+        </p:style>
+      </p:cxnSp>
+      <p:sp>
+        <p:nvSpPr>
+          <p:cNvPr id="2" name="Titel 1">
+            <a:extLst>
+              <a:ext uri="{FF2B5EF4-FFF2-40B4-BE49-F238E27FC236}">
+                <a16:creationId xmlns:a16="http://schemas.microsoft.com/office/drawing/2014/main" id="{95BEFFBD-413B-41F7-8732-9104F4564897}"/>
+              </a:ext>
+            </a:extLst>
+          </p:cNvPr>
+          <p:cNvSpPr>
+            <a:spLocks noGrp="1"/>
+          </p:cNvSpPr>
+          <p:nvPr>
+            <p:ph type="title"/>
+          </p:nvPr>
+        </p:nvSpPr>
+        <p:spPr>
+          <a:xfrm>
+            <a:off x="1776728" y="4459736"/>
+            <a:ext cx="8654522" cy="998160"/>
+          </a:xfrm>
+        </p:spPr>
+        <p:txBody>
+          <a:bodyPr vert="horz" lIns="91440" tIns="45720" rIns="91440" bIns="45720" rtlCol="0" anchor="ctr">
+            <a:normAutofit/>
+          </a:bodyPr>
+          <a:lstStyle/>
+          <a:p>
+            <a:endParaRPr lang="en-US" dirty="0"/>
+          </a:p>
+        </p:txBody>
+      </p:sp>
+      <p:grpSp>
+        <p:nvGrpSpPr>
+          <p:cNvPr id="16" name="Group 15">
+            <a:extLst>
+              <a:ext uri="{FF2B5EF4-FFF2-40B4-BE49-F238E27FC236}">
+                <a16:creationId xmlns:a16="http://schemas.microsoft.com/office/drawing/2014/main" id="{1055ED8C-1319-4416-8084-6F7D0E09FC27}"/>
+              </a:ext>
+              <a:ext uri="{C183D7F6-B498-43B3-948B-1728B52AA6E4}">
+                <adec:decorative xmlns:adec="http://schemas.microsoft.com/office/drawing/2017/decorative" val="1"/>
+              </a:ext>
+            </a:extLst>
+          </p:cNvPr>
+          <p:cNvGrpSpPr>
+            <a:grpSpLocks noGrp="1" noUngrp="1" noRot="1" noChangeAspect="1" noMove="1" noResize="1"/>
+          </p:cNvGrpSpPr>
+          <p:nvPr>
+            <p:extLst>
+              <p:ext uri="{386F3935-93C4-4BCD-93E2-E3B085C9AB24}">
+                <p16:designElem xmlns:p16="http://schemas.microsoft.com/office/powerpoint/2015/main" val="1"/>
+              </p:ext>
+            </p:extLst>
+          </p:nvPr>
+        </p:nvGrpSpPr>
+        <p:grpSpPr>
+          <a:xfrm>
+            <a:off x="2712888" y="323838"/>
+            <a:ext cx="6753096" cy="3652791"/>
+            <a:chOff x="2712888" y="323838"/>
+            <a:chExt cx="6753096" cy="3652791"/>
+          </a:xfrm>
+        </p:grpSpPr>
+        <p:sp>
+          <p:nvSpPr>
+            <p:cNvPr id="17" name="Rectangle 16">
+              <a:extLst>
+                <a:ext uri="{FF2B5EF4-FFF2-40B4-BE49-F238E27FC236}">
+                  <a16:creationId xmlns:a16="http://schemas.microsoft.com/office/drawing/2014/main" id="{537ADC4D-560C-418C-B1AE-CE3A012A8E2A}"/>
+                </a:ext>
+                <a:ext uri="{C183D7F6-B498-43B3-948B-1728B52AA6E4}">
+                  <adec:decorative xmlns:adec="http://schemas.microsoft.com/office/drawing/2017/decorative" val="1"/>
+                </a:ext>
+              </a:extLst>
+            </p:cNvPr>
+            <p:cNvSpPr/>
+            <p:nvPr>
+              <p:extLst>
+                <p:ext uri="{386F3935-93C4-4BCD-93E2-E3B085C9AB24}">
+                  <p16:designElem xmlns:p16="http://schemas.microsoft.com/office/powerpoint/2015/main" val="1"/>
+                </p:ext>
+              </p:extLst>
+            </p:nvPr>
+          </p:nvSpPr>
+          <p:spPr>
+            <a:xfrm>
+              <a:off x="2712888" y="323838"/>
+              <a:ext cx="6753096" cy="3652791"/>
+            </a:xfrm>
+            <a:prstGeom prst="rect">
+              <a:avLst/>
+            </a:prstGeom>
+            <a:blipFill dpi="0" rotWithShape="1">
+              <a:blip r:embed="rId3">
+                <a:alphaModFix amt="30000"/>
+              </a:blip>
+              <a:srcRect/>
+              <a:tile tx="0" ty="0" sx="100000" sy="100000" flip="none" algn="ctr"/>
+            </a:blipFill>
+            <a:ln w="76200" cmpd="sng">
+              <a:noFill/>
+              <a:miter lim="800000"/>
+            </a:ln>
+            <a:effectLst>
+              <a:outerShdw blurRad="127000" dist="228600" dir="4740000" sx="98000" sy="98000" algn="tl" rotWithShape="0">
+                <a:srgbClr val="000000">
+                  <a:alpha val="34000"/>
+                </a:srgbClr>
+              </a:outerShdw>
+            </a:effectLst>
+            <a:scene3d>
+              <a:camera prst="orthographicFront"/>
+              <a:lightRig rig="threePt" dir="t"/>
+            </a:scene3d>
+            <a:sp3d extrusionH="76200" contourW="12700" prstMaterial="matte">
+              <a:bevelT w="152400" h="50800" prst="softRound"/>
+              <a:extrusionClr>
+                <a:schemeClr val="tx2"/>
+              </a:extrusionClr>
+              <a:contourClr>
+                <a:schemeClr val="bg2"/>
+              </a:contourClr>
+            </a:sp3d>
+          </p:spPr>
+          <p:style>
+            <a:lnRef idx="1">
+              <a:schemeClr val="accent1"/>
+            </a:lnRef>
+            <a:fillRef idx="3">
+              <a:schemeClr val="accent1"/>
+            </a:fillRef>
+            <a:effectRef idx="2">
+              <a:schemeClr val="accent1"/>
+            </a:effectRef>
+            <a:fontRef idx="minor">
+              <a:schemeClr val="lt1"/>
+            </a:fontRef>
+          </p:style>
+          <p:txBody>
+            <a:bodyPr rtlCol="0" anchor="ctr"/>
+            <a:lstStyle/>
+            <a:p>
+              <a:pPr algn="ctr"/>
+              <a:endParaRPr lang="en-US"/>
+            </a:p>
+          </p:txBody>
+        </p:sp>
+        <p:sp>
+          <p:nvSpPr>
+            <p:cNvPr id="18" name="Rectangle 17">
+              <a:extLst>
+                <a:ext uri="{FF2B5EF4-FFF2-40B4-BE49-F238E27FC236}">
+                  <a16:creationId xmlns:a16="http://schemas.microsoft.com/office/drawing/2014/main" id="{04993D6D-3DFA-4906-A796-C051E43032BC}"/>
+                </a:ext>
+                <a:ext uri="{C183D7F6-B498-43B3-948B-1728B52AA6E4}">
+                  <adec:decorative xmlns:adec="http://schemas.microsoft.com/office/drawing/2017/decorative" val="1"/>
+                </a:ext>
+              </a:extLst>
+            </p:cNvPr>
+            <p:cNvSpPr/>
+            <p:nvPr>
+              <p:extLst>
+                <p:ext uri="{386F3935-93C4-4BCD-93E2-E3B085C9AB24}">
+                  <p16:designElem xmlns:p16="http://schemas.microsoft.com/office/powerpoint/2015/main" val="1"/>
+                </p:ext>
+              </p:extLst>
+            </p:nvPr>
+          </p:nvSpPr>
+          <p:spPr>
+            <a:xfrm>
+              <a:off x="3024495" y="647445"/>
+              <a:ext cx="6121616" cy="3002215"/>
+            </a:xfrm>
+            <a:prstGeom prst="rect">
+              <a:avLst/>
+            </a:prstGeom>
+            <a:gradFill>
+              <a:gsLst>
+                <a:gs pos="0">
+                  <a:srgbClr val="DADADA"/>
+                </a:gs>
+                <a:gs pos="100000">
+                  <a:srgbClr val="FFFFFE"/>
+                </a:gs>
+              </a:gsLst>
+              <a:lin ang="16200000" scaled="0"/>
+            </a:gradFill>
+            <a:ln w="38100" cmpd="sng">
+              <a:solidFill>
+                <a:schemeClr val="tx2">
+                  <a:lumMod val="25000"/>
+                </a:schemeClr>
+              </a:solidFill>
+              <a:miter lim="800000"/>
+            </a:ln>
+            <a:effectLst>
+              <a:innerShdw blurRad="63500" dist="88900" dir="14100000">
+                <a:srgbClr val="000000">
+                  <a:alpha val="30000"/>
+                </a:srgbClr>
+              </a:innerShdw>
+            </a:effectLst>
+            <a:scene3d>
+              <a:camera prst="orthographicFront"/>
+              <a:lightRig rig="threePt" dir="t"/>
+            </a:scene3d>
+            <a:sp3d>
+              <a:bevelT prst="relaxedInset"/>
+            </a:sp3d>
+          </p:spPr>
+          <p:style>
+            <a:lnRef idx="1">
+              <a:schemeClr val="accent1"/>
+            </a:lnRef>
+            <a:fillRef idx="3">
+              <a:schemeClr val="accent1"/>
+            </a:fillRef>
+            <a:effectRef idx="2">
+              <a:schemeClr val="accent1"/>
+            </a:effectRef>
+            <a:fontRef idx="minor">
+              <a:schemeClr val="lt1"/>
+            </a:fontRef>
+          </p:style>
+          <p:txBody>
+            <a:bodyPr rtlCol="0" anchor="ctr"/>
+            <a:lstStyle/>
+            <a:p>
+              <a:pPr algn="ctr"/>
+              <a:endParaRPr lang="en-US"/>
+            </a:p>
+          </p:txBody>
+        </p:sp>
+      </p:grpSp>
+      <p:pic>
+        <p:nvPicPr>
+          <p:cNvPr id="5" name="Tijdelijke aanduiding voor inhoud 4" descr="Afbeelding met tekst&#10;&#10;Automatisch gegenereerde beschrijving">
+            <a:extLst>
+              <a:ext uri="{FF2B5EF4-FFF2-40B4-BE49-F238E27FC236}">
+                <a16:creationId xmlns:a16="http://schemas.microsoft.com/office/drawing/2014/main" id="{9D32411B-8A6E-492B-A946-7B11DB685658}"/>
+              </a:ext>
+            </a:extLst>
+          </p:cNvPr>
+          <p:cNvPicPr>
+            <a:picLocks noGrp="1" noChangeAspect="1"/>
+          </p:cNvPicPr>
+          <p:nvPr>
+            <p:ph idx="1"/>
+          </p:nvPr>
+        </p:nvPicPr>
+        <p:blipFill rotWithShape="1">
+          <a:blip r:embed="rId4">
+            <a:extLst>
+              <a:ext uri="{28A0092B-C50C-407E-A947-70E740481C1C}">
+                <a14:useLocalDpi xmlns:a14="http://schemas.microsoft.com/office/drawing/2010/main" val="0"/>
+              </a:ext>
+            </a:extLst>
+          </a:blip>
+          <a:srcRect r="-1" b="473"/>
+          <a:stretch/>
+        </p:blipFill>
+        <p:spPr>
+          <a:xfrm>
+            <a:off x="3349780" y="963739"/>
+            <a:ext cx="5472440" cy="2369223"/>
+          </a:xfrm>
+          <a:prstGeom prst="rect">
+            <a:avLst/>
+          </a:prstGeom>
+        </p:spPr>
+      </p:pic>
+    </p:spTree>
+    <p:extLst>
+      <p:ext uri="{BB962C8B-B14F-4D97-AF65-F5344CB8AC3E}">
+        <p14:creationId xmlns:p14="http://schemas.microsoft.com/office/powerpoint/2010/main" val="1274415938"/>
+      </p:ext>
+    </p:extLst>
+  </p:cSld>
+  <p:clrMapOvr>
+    <a:masterClrMapping/>
+  </p:clrMapOvr>
+</p:sld>
+</file>
+
+<file path=ppt/slides/slide7.xml><?xml version="1.0" encoding="utf-8"?>
 <p:sld xmlns:a="http://schemas.openxmlformats.org/drawingml/2006/main" xmlns:r="http://schemas.openxmlformats.org/officeDocument/2006/relationships" xmlns:p="http://schemas.openxmlformats.org/presentationml/2006/main">
   <p:cSld>
     <p:bg>
@@ -4544,7 +5647,7 @@
 </p:sld>
 </file>
 
-<file path=ppt/slides/slide5.xml><?xml version="1.0" encoding="utf-8"?>
+<file path=ppt/slides/slide8.xml><?xml version="1.0" encoding="utf-8"?>
 <p:sld xmlns:a="http://schemas.openxmlformats.org/drawingml/2006/main" xmlns:r="http://schemas.openxmlformats.org/officeDocument/2006/relationships" xmlns:p="http://schemas.openxmlformats.org/presentationml/2006/main">
   <p:cSld>
     <p:spTree>
